--- a/HW/Ptt_Insurance/南山期末Pitch.pptx
+++ b/HW/Ptt_Insurance/南山期末Pitch.pptx
@@ -4541,11 +4541,7 @@
             </a:pPr>
             <a:r>
               <a:rPr lang="zh-TW" altLang="en-US" sz="2000" dirty="0" smtClean="0"/>
-              <a:t>應證之前作業裡的一些</a:t>
-            </a:r>
-            <a:r>
-              <a:rPr lang="zh-TW" altLang="en-US" sz="2000" dirty="0" smtClean="0"/>
-              <a:t>臆測</a:t>
+              <a:t>應證之前作業裡的一些臆測</a:t>
             </a:r>
             <a:endParaRPr lang="en-US" altLang="zh-TW" sz="2000" dirty="0" smtClean="0"/>
           </a:p>
@@ -4556,7 +4552,34 @@
             </a:pPr>
             <a:r>
               <a:rPr lang="zh-TW" altLang="en-US" dirty="0" smtClean="0"/>
-              <a:t> 年齡分層對於不同理賠服務差異</a:t>
+              <a:t> 年齡分層對於不同理賠服務</a:t>
+            </a:r>
+            <a:r>
+              <a:rPr lang="zh-TW" altLang="en-US" dirty="0" smtClean="0"/>
+              <a:t>差異</a:t>
+            </a:r>
+            <a:endParaRPr lang="en-US" altLang="zh-TW" dirty="0" smtClean="0"/>
+          </a:p>
+          <a:p>
+            <a:pPr lvl="1">
+              <a:buFont typeface="Wingdings" panose="05000000000000000000" pitchFamily="2" charset="2"/>
+              <a:buChar char="Ø"/>
+            </a:pPr>
+            <a:r>
+              <a:rPr lang="zh-TW" altLang="en-US" dirty="0" smtClean="0"/>
+              <a:t>利用</a:t>
+            </a:r>
+            <a:r>
+              <a:rPr lang="en-US" altLang="zh-TW" dirty="0" smtClean="0"/>
+              <a:t>K-means</a:t>
+            </a:r>
+            <a:r>
+              <a:rPr lang="zh-TW" altLang="en-US" dirty="0" smtClean="0"/>
+              <a:t>分</a:t>
+            </a:r>
+            <a:r>
+              <a:rPr lang="zh-TW" altLang="en-US" dirty="0"/>
+              <a:t>群</a:t>
             </a:r>
             <a:endParaRPr lang="en-US" altLang="zh-TW" dirty="0"/>
           </a:p>
@@ -4567,11 +4590,7 @@
             </a:pPr>
             <a:r>
               <a:rPr lang="zh-TW" altLang="en-US" sz="2000" dirty="0" smtClean="0"/>
-              <a:t>利用更多統計技巧挖掘各欄位</a:t>
-            </a:r>
-            <a:r>
-              <a:rPr lang="zh-TW" altLang="en-US" sz="2000" dirty="0" smtClean="0"/>
-              <a:t>的</a:t>
+              <a:t>利用更多統計技巧挖掘各欄位的</a:t>
             </a:r>
             <a:r>
               <a:rPr lang="zh-TW" altLang="en-US" dirty="0" smtClean="0"/>
@@ -4795,11 +4814,7 @@
             </a:pPr>
             <a:r>
               <a:rPr lang="zh-TW" altLang="en-US" sz="2400" dirty="0" smtClean="0"/>
-              <a:t> 透過</a:t>
-            </a:r>
-            <a:r>
-              <a:rPr lang="zh-TW" altLang="en-US" sz="2400" dirty="0" smtClean="0"/>
-              <a:t>南山給的資料中做探索後，利用</a:t>
+              <a:t> 透過南山給的資料中做探索後，利用</a:t>
             </a:r>
             <a:r>
               <a:rPr lang="en-US" altLang="zh-TW" sz="2400" dirty="0" err="1" smtClean="0"/>
@@ -4841,11 +4856,7 @@
             </a:pPr>
             <a:r>
               <a:rPr lang="zh-TW" altLang="en-US" sz="2400" dirty="0" smtClean="0"/>
-              <a:t> 利用</a:t>
-            </a:r>
-            <a:r>
-              <a:rPr lang="zh-TW" altLang="en-US" sz="2400" dirty="0" smtClean="0"/>
-              <a:t>關聯性</a:t>
+              <a:t> 利用關聯性</a:t>
             </a:r>
             <a:r>
               <a:rPr lang="zh-TW" altLang="en-US" sz="2400" dirty="0"/>
@@ -4899,15 +4910,7 @@
             </a:r>
             <a:r>
               <a:rPr lang="zh-TW" altLang="en-US" sz="2400" dirty="0" smtClean="0"/>
-              <a:t>版上</a:t>
-            </a:r>
-            <a:r>
-              <a:rPr lang="zh-TW" altLang="en-US" sz="2400" dirty="0" smtClean="0"/>
-              <a:t>發覺同業競爭者</a:t>
-            </a:r>
-            <a:r>
-              <a:rPr lang="zh-TW" altLang="en-US" sz="2400" dirty="0" smtClean="0"/>
-              <a:t>、熱門商品</a:t>
+              <a:t>版上發覺同業競爭者、熱門商品</a:t>
             </a:r>
             <a:endParaRPr lang="en-US" altLang="zh-TW" sz="2400" dirty="0" smtClean="0"/>
           </a:p>

--- a/HW/Ptt_Insurance/南山期末Pitch.pptx
+++ b/HW/Ptt_Insurance/南山期末Pitch.pptx
@@ -4613,8 +4613,37 @@
             </a:r>
             <a:r>
               <a:rPr lang="zh-TW" altLang="en-US" dirty="0"/>
-              <a:t>分析兩類別變數間的關係</a:t>
-            </a:r>
+              <a:t>分析兩類別變數間的</a:t>
+            </a:r>
+            <a:r>
+              <a:rPr lang="zh-TW" altLang="en-US" dirty="0" smtClean="0"/>
+              <a:t>關係</a:t>
+            </a:r>
+            <a:endParaRPr lang="en-US" altLang="zh-TW" dirty="0" smtClean="0"/>
+          </a:p>
+          <a:p>
+            <a:pPr lvl="1">
+              <a:buFont typeface="Wingdings" panose="05000000000000000000" pitchFamily="2" charset="2"/>
+              <a:buChar char="Ø"/>
+            </a:pPr>
+            <a:r>
+              <a:rPr lang="zh-TW" altLang="en-US" dirty="0" smtClean="0"/>
+              <a:t> </a:t>
+            </a:r>
+            <a:r>
+              <a:rPr lang="en-US" altLang="zh-TW" dirty="0" err="1" smtClean="0"/>
+              <a:t>Apriori</a:t>
+            </a:r>
+            <a:r>
+              <a:rPr lang="zh-TW" altLang="en-US" dirty="0"/>
+              <a:t>演算法</a:t>
+            </a:r>
+          </a:p>
+          <a:p>
+            <a:pPr lvl="1">
+              <a:buFont typeface="Wingdings" panose="05000000000000000000" pitchFamily="2" charset="2"/>
+              <a:buChar char="Ø"/>
+            </a:pPr>
             <a:endParaRPr lang="en-US" altLang="zh-TW" dirty="0"/>
           </a:p>
           <a:p>

--- a/HW/Ptt_Insurance/南山期末Pitch.pptx
+++ b/HW/Ptt_Insurance/南山期末Pitch.pptx
@@ -4598,7 +4598,7 @@
             </a:r>
             <a:r>
               <a:rPr lang="zh-TW" altLang="en-US" dirty="0"/>
-              <a:t>係</a:t>
+              <a:t>聯</a:t>
             </a:r>
             <a:endParaRPr lang="en-US" altLang="zh-TW" sz="2000" dirty="0" smtClean="0"/>
           </a:p>
@@ -4635,15 +4635,9 @@
               <a:t>Apriori</a:t>
             </a:r>
             <a:r>
-              <a:rPr lang="zh-TW" altLang="en-US" dirty="0"/>
+              <a:rPr lang="zh-TW" altLang="en-US" dirty="0" smtClean="0"/>
               <a:t>演算法</a:t>
             </a:r>
-          </a:p>
-          <a:p>
-            <a:pPr lvl="1">
-              <a:buFont typeface="Wingdings" panose="05000000000000000000" pitchFamily="2" charset="2"/>
-              <a:buChar char="Ø"/>
-            </a:pPr>
             <a:endParaRPr lang="en-US" altLang="zh-TW" dirty="0"/>
           </a:p>
           <a:p>

--- a/HW/Ptt_Insurance/南山期末Pitch.pptx
+++ b/HW/Ptt_Insurance/南山期末Pitch.pptx
@@ -201,7 +201,7 @@
           <a:p>
             <a:fld id="{D7AFAD02-B18B-430A-A763-A96B916E858A}" type="datetimeFigureOut">
               <a:rPr lang="zh-TW" altLang="en-US" smtClean="0"/>
-              <a:t>2019/5/16</a:t>
+              <a:t>2019/5/23</a:t>
             </a:fld>
             <a:endParaRPr lang="zh-TW" altLang="en-US"/>
           </a:p>
@@ -790,7 +790,7 @@
           <a:p>
             <a:fld id="{500AD983-F62E-4F79-B817-9BB100E798D5}" type="datetimeFigureOut">
               <a:rPr lang="zh-TW" altLang="en-US" smtClean="0"/>
-              <a:t>2019/5/16</a:t>
+              <a:t>2019/5/23</a:t>
             </a:fld>
             <a:endParaRPr lang="zh-TW" altLang="en-US"/>
           </a:p>
@@ -998,7 +998,7 @@
           <a:p>
             <a:fld id="{500AD983-F62E-4F79-B817-9BB100E798D5}" type="datetimeFigureOut">
               <a:rPr lang="zh-TW" altLang="en-US" smtClean="0"/>
-              <a:t>2019/5/16</a:t>
+              <a:t>2019/5/23</a:t>
             </a:fld>
             <a:endParaRPr lang="zh-TW" altLang="en-US"/>
           </a:p>
@@ -1254,7 +1254,7 @@
           <a:p>
             <a:fld id="{500AD983-F62E-4F79-B817-9BB100E798D5}" type="datetimeFigureOut">
               <a:rPr lang="zh-TW" altLang="en-US" smtClean="0"/>
-              <a:t>2019/5/16</a:t>
+              <a:t>2019/5/23</a:t>
             </a:fld>
             <a:endParaRPr lang="zh-TW" altLang="en-US"/>
           </a:p>
@@ -1428,7 +1428,7 @@
           <a:p>
             <a:fld id="{500AD983-F62E-4F79-B817-9BB100E798D5}" type="datetimeFigureOut">
               <a:rPr lang="zh-TW" altLang="en-US" smtClean="0"/>
-              <a:t>2019/5/16</a:t>
+              <a:t>2019/5/23</a:t>
             </a:fld>
             <a:endParaRPr lang="zh-TW" altLang="en-US"/>
           </a:p>
@@ -1771,7 +1771,7 @@
           <a:p>
             <a:fld id="{500AD983-F62E-4F79-B817-9BB100E798D5}" type="datetimeFigureOut">
               <a:rPr lang="zh-TW" altLang="en-US" smtClean="0"/>
-              <a:t>2019/5/16</a:t>
+              <a:t>2019/5/23</a:t>
             </a:fld>
             <a:endParaRPr lang="zh-TW" altLang="en-US"/>
           </a:p>
@@ -2046,7 +2046,7 @@
           <a:p>
             <a:fld id="{500AD983-F62E-4F79-B817-9BB100E798D5}" type="datetimeFigureOut">
               <a:rPr lang="zh-TW" altLang="en-US" smtClean="0"/>
-              <a:t>2019/5/16</a:t>
+              <a:t>2019/5/23</a:t>
             </a:fld>
             <a:endParaRPr lang="zh-TW" altLang="en-US"/>
           </a:p>
@@ -2425,7 +2425,7 @@
           <a:p>
             <a:fld id="{500AD983-F62E-4F79-B817-9BB100E798D5}" type="datetimeFigureOut">
               <a:rPr lang="zh-TW" altLang="en-US" smtClean="0"/>
-              <a:t>2019/5/16</a:t>
+              <a:t>2019/5/23</a:t>
             </a:fld>
             <a:endParaRPr lang="zh-TW" altLang="en-US"/>
           </a:p>
@@ -2543,7 +2543,7 @@
           <a:p>
             <a:fld id="{500AD983-F62E-4F79-B817-9BB100E798D5}" type="datetimeFigureOut">
               <a:rPr lang="zh-TW" altLang="en-US" smtClean="0"/>
-              <a:t>2019/5/16</a:t>
+              <a:t>2019/5/23</a:t>
             </a:fld>
             <a:endParaRPr lang="zh-TW" altLang="en-US"/>
           </a:p>
@@ -2714,7 +2714,7 @@
           <a:p>
             <a:fld id="{500AD983-F62E-4F79-B817-9BB100E798D5}" type="datetimeFigureOut">
               <a:rPr lang="zh-TW" altLang="en-US" smtClean="0"/>
-              <a:t>2019/5/16</a:t>
+              <a:t>2019/5/23</a:t>
             </a:fld>
             <a:endParaRPr lang="zh-TW" altLang="en-US"/>
           </a:p>
@@ -3068,7 +3068,7 @@
           <a:p>
             <a:fld id="{500AD983-F62E-4F79-B817-9BB100E798D5}" type="datetimeFigureOut">
               <a:rPr lang="zh-TW" altLang="en-US" smtClean="0"/>
-              <a:t>2019/5/16</a:t>
+              <a:t>2019/5/23</a:t>
             </a:fld>
             <a:endParaRPr lang="zh-TW" altLang="en-US"/>
           </a:p>
@@ -3450,7 +3450,7 @@
           <a:p>
             <a:fld id="{500AD983-F62E-4F79-B817-9BB100E798D5}" type="datetimeFigureOut">
               <a:rPr lang="zh-TW" altLang="en-US" smtClean="0"/>
-              <a:t>2019/5/16</a:t>
+              <a:t>2019/5/23</a:t>
             </a:fld>
             <a:endParaRPr lang="zh-TW" altLang="en-US"/>
           </a:p>
@@ -3737,7 +3737,7 @@
           <a:p>
             <a:fld id="{500AD983-F62E-4F79-B817-9BB100E798D5}" type="datetimeFigureOut">
               <a:rPr lang="zh-TW" altLang="en-US" smtClean="0"/>
-              <a:t>2019/5/16</a:t>
+              <a:t>2019/5/23</a:t>
             </a:fld>
             <a:endParaRPr lang="zh-TW" altLang="en-US"/>
           </a:p>
@@ -4530,7 +4530,11 @@
             </a:r>
             <a:r>
               <a:rPr lang="zh-TW" altLang="en-US" sz="2000" dirty="0" smtClean="0"/>
-              <a:t>、分群等簡單的敘述統計</a:t>
+              <a:t>、分</a:t>
+            </a:r>
+            <a:r>
+              <a:rPr lang="zh-TW" altLang="en-US" sz="2000" dirty="0" smtClean="0"/>
+              <a:t>群等簡單的敘述統計</a:t>
             </a:r>
             <a:endParaRPr lang="en-US" altLang="zh-TW" sz="2000" dirty="0" smtClean="0"/>
           </a:p>
@@ -4541,7 +4545,7 @@
             </a:pPr>
             <a:r>
               <a:rPr lang="zh-TW" altLang="en-US" sz="2000" dirty="0" smtClean="0"/>
-              <a:t>應證之前作業裡的一些臆測</a:t>
+              <a:t> 細部分群</a:t>
             </a:r>
             <a:endParaRPr lang="en-US" altLang="zh-TW" sz="2000" dirty="0" smtClean="0"/>
           </a:p>
@@ -4552,11 +4556,7 @@
             </a:pPr>
             <a:r>
               <a:rPr lang="zh-TW" altLang="en-US" dirty="0" smtClean="0"/>
-              <a:t> 年齡分層對於不同理賠服務</a:t>
-            </a:r>
-            <a:r>
-              <a:rPr lang="zh-TW" altLang="en-US" dirty="0" smtClean="0"/>
-              <a:t>差異</a:t>
+              <a:t> 年齡分層對於不同理賠服務差異</a:t>
             </a:r>
             <a:endParaRPr lang="en-US" altLang="zh-TW" dirty="0" smtClean="0"/>
           </a:p>
@@ -4590,7 +4590,11 @@
             </a:pPr>
             <a:r>
               <a:rPr lang="zh-TW" altLang="en-US" sz="2000" dirty="0" smtClean="0"/>
-              <a:t>利用更多統計技巧挖掘各欄位的</a:t>
+              <a:t> 利用</a:t>
+            </a:r>
+            <a:r>
+              <a:rPr lang="zh-TW" altLang="en-US" sz="2000" dirty="0" smtClean="0"/>
+              <a:t>更多統計技巧挖掘各欄位的</a:t>
             </a:r>
             <a:r>
               <a:rPr lang="zh-TW" altLang="en-US" dirty="0" smtClean="0"/>
